--- a/TestMERNApp/src_client/assets/img/Icon.pptx
+++ b/TestMERNApp/src_client/assets/img/Icon.pptx
@@ -6,8 +6,9 @@
   </p:sldMasterIdLst>
   <p:sldIdLst>
     <p:sldId id="256" r:id="rId2"/>
-    <p:sldId id="258" r:id="rId3"/>
-    <p:sldId id="259" r:id="rId4"/>
+    <p:sldId id="261" r:id="rId3"/>
+    <p:sldId id="258" r:id="rId4"/>
+    <p:sldId id="259" r:id="rId5"/>
   </p:sldIdLst>
   <p:sldSz cx="12192000" cy="6858000"/>
   <p:notesSz cx="6858000" cy="9144000"/>
@@ -245,7 +246,7 @@
           <a:p>
             <a:fld id="{ABD92F28-2E2F-4185-9B57-3CF219B08B8D}" type="datetimeFigureOut">
               <a:rPr lang="en-IN" smtClean="0"/>
-              <a:t>07-07-2018</a:t>
+              <a:t>16-12-2018</a:t>
             </a:fld>
             <a:endParaRPr lang="en-IN"/>
           </a:p>
@@ -415,7 +416,7 @@
           <a:p>
             <a:fld id="{ABD92F28-2E2F-4185-9B57-3CF219B08B8D}" type="datetimeFigureOut">
               <a:rPr lang="en-IN" smtClean="0"/>
-              <a:t>07-07-2018</a:t>
+              <a:t>16-12-2018</a:t>
             </a:fld>
             <a:endParaRPr lang="en-IN"/>
           </a:p>
@@ -595,7 +596,7 @@
           <a:p>
             <a:fld id="{ABD92F28-2E2F-4185-9B57-3CF219B08B8D}" type="datetimeFigureOut">
               <a:rPr lang="en-IN" smtClean="0"/>
-              <a:t>07-07-2018</a:t>
+              <a:t>16-12-2018</a:t>
             </a:fld>
             <a:endParaRPr lang="en-IN"/>
           </a:p>
@@ -765,7 +766,7 @@
           <a:p>
             <a:fld id="{ABD92F28-2E2F-4185-9B57-3CF219B08B8D}" type="datetimeFigureOut">
               <a:rPr lang="en-IN" smtClean="0"/>
-              <a:t>07-07-2018</a:t>
+              <a:t>16-12-2018</a:t>
             </a:fld>
             <a:endParaRPr lang="en-IN"/>
           </a:p>
@@ -1011,7 +1012,7 @@
           <a:p>
             <a:fld id="{ABD92F28-2E2F-4185-9B57-3CF219B08B8D}" type="datetimeFigureOut">
               <a:rPr lang="en-IN" smtClean="0"/>
-              <a:t>07-07-2018</a:t>
+              <a:t>16-12-2018</a:t>
             </a:fld>
             <a:endParaRPr lang="en-IN"/>
           </a:p>
@@ -1243,7 +1244,7 @@
           <a:p>
             <a:fld id="{ABD92F28-2E2F-4185-9B57-3CF219B08B8D}" type="datetimeFigureOut">
               <a:rPr lang="en-IN" smtClean="0"/>
-              <a:t>07-07-2018</a:t>
+              <a:t>16-12-2018</a:t>
             </a:fld>
             <a:endParaRPr lang="en-IN"/>
           </a:p>
@@ -1610,7 +1611,7 @@
           <a:p>
             <a:fld id="{ABD92F28-2E2F-4185-9B57-3CF219B08B8D}" type="datetimeFigureOut">
               <a:rPr lang="en-IN" smtClean="0"/>
-              <a:t>07-07-2018</a:t>
+              <a:t>16-12-2018</a:t>
             </a:fld>
             <a:endParaRPr lang="en-IN"/>
           </a:p>
@@ -1728,7 +1729,7 @@
           <a:p>
             <a:fld id="{ABD92F28-2E2F-4185-9B57-3CF219B08B8D}" type="datetimeFigureOut">
               <a:rPr lang="en-IN" smtClean="0"/>
-              <a:t>07-07-2018</a:t>
+              <a:t>16-12-2018</a:t>
             </a:fld>
             <a:endParaRPr lang="en-IN"/>
           </a:p>
@@ -1823,7 +1824,7 @@
           <a:p>
             <a:fld id="{ABD92F28-2E2F-4185-9B57-3CF219B08B8D}" type="datetimeFigureOut">
               <a:rPr lang="en-IN" smtClean="0"/>
-              <a:t>07-07-2018</a:t>
+              <a:t>16-12-2018</a:t>
             </a:fld>
             <a:endParaRPr lang="en-IN"/>
           </a:p>
@@ -2100,7 +2101,7 @@
           <a:p>
             <a:fld id="{ABD92F28-2E2F-4185-9B57-3CF219B08B8D}" type="datetimeFigureOut">
               <a:rPr lang="en-IN" smtClean="0"/>
-              <a:t>07-07-2018</a:t>
+              <a:t>16-12-2018</a:t>
             </a:fld>
             <a:endParaRPr lang="en-IN"/>
           </a:p>
@@ -2353,7 +2354,7 @@
           <a:p>
             <a:fld id="{ABD92F28-2E2F-4185-9B57-3CF219B08B8D}" type="datetimeFigureOut">
               <a:rPr lang="en-IN" smtClean="0"/>
-              <a:t>07-07-2018</a:t>
+              <a:t>16-12-2018</a:t>
             </a:fld>
             <a:endParaRPr lang="en-IN"/>
           </a:p>
@@ -2566,7 +2567,7 @@
           <a:p>
             <a:fld id="{ABD92F28-2E2F-4185-9B57-3CF219B08B8D}" type="datetimeFigureOut">
               <a:rPr lang="en-IN" smtClean="0"/>
-              <a:t>07-07-2018</a:t>
+              <a:t>16-12-2018</a:t>
             </a:fld>
             <a:endParaRPr lang="en-IN"/>
           </a:p>
@@ -3023,7 +3024,7 @@
         </p:blipFill>
         <p:spPr>
           <a:xfrm>
-            <a:off x="6108671" y="123936"/>
+            <a:off x="4674835" y="114877"/>
             <a:ext cx="1400000" cy="1546578"/>
           </a:xfrm>
           <a:prstGeom prst="rect">
@@ -3052,7 +3053,7 @@
         </p:blipFill>
         <p:spPr>
           <a:xfrm>
-            <a:off x="127044" y="1799081"/>
+            <a:off x="-1413485" y="1796079"/>
             <a:ext cx="1400000" cy="1545812"/>
           </a:xfrm>
           <a:prstGeom prst="rect">
@@ -3081,7 +3082,7 @@
         </p:blipFill>
         <p:spPr>
           <a:xfrm>
-            <a:off x="1613939" y="128594"/>
+            <a:off x="123705" y="114877"/>
             <a:ext cx="1400000" cy="1549771"/>
           </a:xfrm>
           <a:prstGeom prst="rect">
@@ -3139,7 +3140,7 @@
         </p:blipFill>
         <p:spPr>
           <a:xfrm>
-            <a:off x="1612110" y="3466375"/>
+            <a:off x="123705" y="3479488"/>
             <a:ext cx="1400000" cy="1539116"/>
           </a:xfrm>
           <a:prstGeom prst="rect">
@@ -3168,7 +3169,7 @@
         </p:blipFill>
         <p:spPr>
           <a:xfrm>
-            <a:off x="127044" y="131787"/>
+            <a:off x="-1409421" y="116474"/>
             <a:ext cx="1400000" cy="1546578"/>
           </a:xfrm>
           <a:prstGeom prst="rect">
@@ -3198,7 +3199,7 @@
         </p:blipFill>
         <p:spPr>
           <a:xfrm>
-            <a:off x="4594407" y="124641"/>
+            <a:off x="3174077" y="114877"/>
             <a:ext cx="1367632" cy="1546578"/>
           </a:xfrm>
           <a:prstGeom prst="rect">
@@ -3227,7 +3228,7 @@
         </p:blipFill>
         <p:spPr>
           <a:xfrm>
-            <a:off x="3112265" y="171787"/>
+            <a:off x="1656664" y="117241"/>
             <a:ext cx="1383816" cy="1545811"/>
           </a:xfrm>
           <a:prstGeom prst="rect">
@@ -3285,7 +3286,7 @@
         </p:blipFill>
         <p:spPr>
           <a:xfrm>
-            <a:off x="3118904" y="3511094"/>
+            <a:off x="1656664" y="3484614"/>
             <a:ext cx="1400000" cy="1539116"/>
           </a:xfrm>
           <a:prstGeom prst="rect">
@@ -3314,7 +3315,7 @@
         </p:blipFill>
         <p:spPr>
           <a:xfrm>
-            <a:off x="7601489" y="3556303"/>
+            <a:off x="7782435" y="3474918"/>
             <a:ext cx="1400000" cy="1539117"/>
           </a:xfrm>
           <a:prstGeom prst="rect">
@@ -3344,7 +3345,7 @@
         </p:blipFill>
         <p:spPr>
           <a:xfrm>
-            <a:off x="4615853" y="3511093"/>
+            <a:off x="3189623" y="3484614"/>
             <a:ext cx="1395869" cy="1539117"/>
           </a:xfrm>
           <a:prstGeom prst="rect">
@@ -3373,7 +3374,7 @@
         </p:blipFill>
         <p:spPr>
           <a:xfrm>
-            <a:off x="9094307" y="3581944"/>
+            <a:off x="10841742" y="3484614"/>
             <a:ext cx="1400000" cy="1539116"/>
           </a:xfrm>
           <a:prstGeom prst="rect">
@@ -3432,7 +3433,7 @@
         </p:blipFill>
         <p:spPr>
           <a:xfrm>
-            <a:off x="93959" y="3466375"/>
+            <a:off x="-1413485" y="3474918"/>
             <a:ext cx="1401964" cy="1548256"/>
           </a:xfrm>
           <a:prstGeom prst="rect">
@@ -3461,7 +3462,7 @@
         </p:blipFill>
         <p:spPr>
           <a:xfrm>
-            <a:off x="10608759" y="3581944"/>
+            <a:off x="4715971" y="3484614"/>
             <a:ext cx="1400000" cy="1539116"/>
           </a:xfrm>
           <a:prstGeom prst="rect">
@@ -3491,7 +3492,7 @@
         </p:blipFill>
         <p:spPr>
           <a:xfrm>
-            <a:off x="6108671" y="3543397"/>
+            <a:off x="9315394" y="3474918"/>
             <a:ext cx="1400000" cy="1517428"/>
           </a:xfrm>
           <a:prstGeom prst="rect">
@@ -3520,7 +3521,7 @@
         </p:blipFill>
         <p:spPr>
           <a:xfrm>
-            <a:off x="7542507" y="123936"/>
+            <a:off x="7709190" y="111115"/>
             <a:ext cx="1400000" cy="1539116"/>
           </a:xfrm>
           <a:prstGeom prst="rect">
@@ -3550,7 +3551,7 @@
         </p:blipFill>
         <p:spPr>
           <a:xfrm>
-            <a:off x="10608759" y="178482"/>
+            <a:off x="10781053" y="122339"/>
             <a:ext cx="1400000" cy="1539116"/>
           </a:xfrm>
           <a:prstGeom prst="rect">
@@ -3579,7 +3580,7 @@
         </p:blipFill>
         <p:spPr>
           <a:xfrm>
-            <a:off x="12141885" y="123936"/>
+            <a:off x="12313521" y="122339"/>
             <a:ext cx="1400000" cy="1539116"/>
           </a:xfrm>
           <a:prstGeom prst="rect">
@@ -3609,7 +3610,7 @@
         </p:blipFill>
         <p:spPr>
           <a:xfrm>
-            <a:off x="6108671" y="1840119"/>
+            <a:off x="4645039" y="1794363"/>
             <a:ext cx="1400000" cy="1539116"/>
           </a:xfrm>
           <a:prstGeom prst="rect">
@@ -3638,7 +3639,7 @@
         </p:blipFill>
         <p:spPr>
           <a:xfrm>
-            <a:off x="9105124" y="1794363"/>
+            <a:off x="7707967" y="1794363"/>
             <a:ext cx="1400000" cy="1539116"/>
           </a:xfrm>
           <a:prstGeom prst="rect">
@@ -3667,7 +3668,7 @@
         </p:blipFill>
         <p:spPr>
           <a:xfrm>
-            <a:off x="10608759" y="1794363"/>
+            <a:off x="9235199" y="1790972"/>
             <a:ext cx="1400000" cy="1539116"/>
           </a:xfrm>
           <a:prstGeom prst="rect">
@@ -3697,7 +3698,7 @@
         </p:blipFill>
         <p:spPr>
           <a:xfrm>
-            <a:off x="1612110" y="5123205"/>
+            <a:off x="123705" y="5149908"/>
             <a:ext cx="1400000" cy="1545812"/>
           </a:xfrm>
           <a:prstGeom prst="rect">
@@ -3727,7 +3728,7 @@
         </p:blipFill>
         <p:spPr>
           <a:xfrm>
-            <a:off x="95923" y="5121060"/>
+            <a:off x="-1413485" y="5149908"/>
             <a:ext cx="1400000" cy="1539116"/>
           </a:xfrm>
           <a:prstGeom prst="rect">
@@ -3757,7 +3758,7 @@
         </p:blipFill>
         <p:spPr>
           <a:xfrm>
-            <a:off x="3112949" y="5173669"/>
+            <a:off x="1656664" y="5149908"/>
             <a:ext cx="1400000" cy="1545812"/>
           </a:xfrm>
           <a:prstGeom prst="rect">
@@ -3786,7 +3787,7 @@
         </p:blipFill>
         <p:spPr>
           <a:xfrm>
-            <a:off x="4613788" y="5060825"/>
+            <a:off x="3189623" y="5143212"/>
             <a:ext cx="1400000" cy="1545812"/>
           </a:xfrm>
           <a:prstGeom prst="rect">
@@ -3815,7 +3816,7 @@
         </p:blipFill>
         <p:spPr>
           <a:xfrm>
-            <a:off x="1612110" y="1796079"/>
+            <a:off x="123705" y="1796079"/>
             <a:ext cx="1400000" cy="1545812"/>
           </a:xfrm>
           <a:prstGeom prst="rect">
@@ -3845,24 +3846,24 @@
         </p:blipFill>
         <p:spPr>
           <a:xfrm>
-            <a:off x="3103072" y="1794363"/>
-            <a:ext cx="1402202" cy="1639966"/>
-          </a:xfrm>
-          <a:prstGeom prst="rect">
-            <a:avLst/>
-          </a:prstGeom>
-        </p:spPr>
-      </p:pic>
-      <p:pic>
-        <p:nvPicPr>
-          <p:cNvPr id="58" name="Picture 57"/>
+            <a:off x="1656664" y="1794363"/>
+            <a:ext cx="1383816" cy="1639966"/>
+          </a:xfrm>
+          <a:prstGeom prst="rect">
+            <a:avLst/>
+          </a:prstGeom>
+        </p:spPr>
+      </p:pic>
+      <p:pic>
+        <p:nvPicPr>
+          <p:cNvPr id="37" name="Picture 36"/>
           <p:cNvPicPr>
             <a:picLocks noChangeAspect="1"/>
           </p:cNvPicPr>
           <p:nvPr/>
         </p:nvPicPr>
         <p:blipFill>
-          <a:blip r:embed="rId32">
+          <a:blip r:embed="rId32" cstate="print">
             <a:extLst>
               <a:ext uri="{28A0092B-C50C-407E-A947-70E740481C1C}">
                 <a14:useLocalDpi xmlns:a14="http://schemas.microsoft.com/office/drawing/2010/main" val="0"/>
@@ -3875,24 +3876,24 @@
         </p:blipFill>
         <p:spPr>
           <a:xfrm>
-            <a:off x="9075633" y="123936"/>
-            <a:ext cx="1400000" cy="1545812"/>
-          </a:xfrm>
-          <a:prstGeom prst="rect">
-            <a:avLst/>
-          </a:prstGeom>
-        </p:spPr>
-      </p:pic>
-      <p:pic>
-        <p:nvPicPr>
-          <p:cNvPr id="37" name="Picture 36"/>
+            <a:off x="3173438" y="1796079"/>
+            <a:ext cx="1339887" cy="1545812"/>
+          </a:xfrm>
+          <a:prstGeom prst="rect">
+            <a:avLst/>
+          </a:prstGeom>
+        </p:spPr>
+      </p:pic>
+      <p:pic>
+        <p:nvPicPr>
+          <p:cNvPr id="38" name="Picture 37"/>
           <p:cNvPicPr>
             <a:picLocks noChangeAspect="1"/>
           </p:cNvPicPr>
           <p:nvPr/>
         </p:nvPicPr>
         <p:blipFill>
-          <a:blip r:embed="rId33" cstate="print">
+          <a:blip r:embed="rId33">
             <a:extLst>
               <a:ext uri="{28A0092B-C50C-407E-A947-70E740481C1C}">
                 <a14:useLocalDpi xmlns:a14="http://schemas.microsoft.com/office/drawing/2010/main" val="0"/>
@@ -3905,7 +3906,7 @@
         </p:blipFill>
         <p:spPr>
           <a:xfrm>
-            <a:off x="4610016" y="1796499"/>
+            <a:off x="6180735" y="1796079"/>
             <a:ext cx="1400000" cy="1545812"/>
           </a:xfrm>
           <a:prstGeom prst="rect">
@@ -3915,28 +3916,110 @@
       </p:pic>
       <p:pic>
         <p:nvPicPr>
-          <p:cNvPr id="38" name="Picture 37"/>
-          <p:cNvPicPr>
-            <a:picLocks noChangeAspect="1"/>
+          <p:cNvPr id="51" name="Picture 50"/>
+          <p:cNvPicPr>
+            <a:picLocks noChangeAspect="1"/>
+          </p:cNvPicPr>
+          <p:nvPr/>
+        </p:nvPicPr>
+        <p:blipFill rotWithShape="1">
+          <a:blip r:embed="rId34">
+            <a:extLst>
+              <a:ext uri="{28A0092B-C50C-407E-A947-70E740481C1C}">
+                <a14:useLocalDpi xmlns:a14="http://schemas.microsoft.com/office/drawing/2010/main" val="0"/>
+              </a:ext>
+            </a:extLst>
+          </a:blip>
+          <a:srcRect l="969" t="3692" r="1036" b="5716"/>
+          <a:stretch/>
+        </p:blipFill>
+        <p:spPr>
+          <a:xfrm>
+            <a:off x="9248585" y="107767"/>
+            <a:ext cx="1400000" cy="1545812"/>
+          </a:xfrm>
+          <a:prstGeom prst="rect">
+            <a:avLst/>
+          </a:prstGeom>
+        </p:spPr>
+      </p:pic>
+      <p:pic>
+        <p:nvPicPr>
+          <p:cNvPr id="59" name="Picture 1"/>
+          <p:cNvPicPr>
+            <a:picLocks noChangeAspect="1" noChangeArrowheads="1"/>
           </p:cNvPicPr>
           <p:nvPr/>
         </p:nvPicPr>
         <p:blipFill>
-          <a:blip r:embed="rId34">
-            <a:extLst>
-              <a:ext uri="{28A0092B-C50C-407E-A947-70E740481C1C}">
-                <a14:useLocalDpi xmlns:a14="http://schemas.microsoft.com/office/drawing/2010/main" val="0"/>
-              </a:ext>
-            </a:extLst>
-          </a:blip>
+          <a:blip r:embed="rId35" cstate="print">
+            <a:extLst>
+              <a:ext uri="{28A0092B-C50C-407E-A947-70E740481C1C}">
+                <a14:useLocalDpi xmlns:a14="http://schemas.microsoft.com/office/drawing/2010/main" val="0"/>
+              </a:ext>
+            </a:extLst>
+          </a:blip>
+          <a:srcRect l="24286" t="7442" r="24278" b="7997"/>
           <a:stretch>
             <a:fillRect/>
           </a:stretch>
         </p:blipFill>
-        <p:spPr>
-          <a:xfrm>
-            <a:off x="7613413" y="1836771"/>
+        <p:spPr bwMode="auto">
+          <a:xfrm>
+            <a:off x="6176064" y="104419"/>
             <a:ext cx="1400000" cy="1545812"/>
+          </a:xfrm>
+          <a:prstGeom prst="rect">
+            <a:avLst/>
+          </a:prstGeom>
+          <a:noFill/>
+          <a:ln>
+            <a:noFill/>
+          </a:ln>
+          <a:extLst>
+            <a:ext uri="{909E8E84-426E-40DD-AFC4-6F175D3DCCD1}">
+              <a14:hiddenFill xmlns:a14="http://schemas.microsoft.com/office/drawing/2010/main">
+                <a:solidFill>
+                  <a:srgbClr val="FFFFFF"/>
+                </a:solidFill>
+              </a14:hiddenFill>
+            </a:ext>
+            <a:ext uri="{91240B29-F687-4F45-9708-019B960494DF}">
+              <a14:hiddenLine xmlns:a14="http://schemas.microsoft.com/office/drawing/2010/main" w="9525">
+                <a:solidFill>
+                  <a:srgbClr val="000000"/>
+                </a:solidFill>
+                <a:miter lim="800000"/>
+                <a:headEnd/>
+                <a:tailEnd/>
+              </a14:hiddenLine>
+            </a:ext>
+          </a:extLst>
+        </p:spPr>
+      </p:pic>
+      <p:pic>
+        <p:nvPicPr>
+          <p:cNvPr id="61" name="Picture 60"/>
+          <p:cNvPicPr>
+            <a:picLocks noChangeAspect="1"/>
+          </p:cNvPicPr>
+          <p:nvPr/>
+        </p:nvPicPr>
+        <p:blipFill rotWithShape="1">
+          <a:blip r:embed="rId36" cstate="print">
+            <a:extLst>
+              <a:ext uri="{28A0092B-C50C-407E-A947-70E740481C1C}">
+                <a14:useLocalDpi xmlns:a14="http://schemas.microsoft.com/office/drawing/2010/main" val="0"/>
+              </a:ext>
+            </a:extLst>
+          </a:blip>
+          <a:srcRect l="6996" r="6810"/>
+          <a:stretch/>
+        </p:blipFill>
+        <p:spPr>
+          <a:xfrm>
+            <a:off x="6246450" y="3484614"/>
+            <a:ext cx="1400001" cy="1539117"/>
           </a:xfrm>
           <a:prstGeom prst="rect">
             <a:avLst/>
@@ -3975,72 +4058,14 @@
       </p:grpSpPr>
       <p:pic>
         <p:nvPicPr>
-          <p:cNvPr id="9" name="Picture 8"/>
-          <p:cNvPicPr>
-            <a:picLocks noChangeAspect="1"/>
-          </p:cNvPicPr>
-          <p:nvPr/>
-        </p:nvPicPr>
-        <p:blipFill rotWithShape="1">
-          <a:blip r:embed="rId2">
-            <a:extLst>
-              <a:ext uri="{28A0092B-C50C-407E-A947-70E740481C1C}">
-                <a14:useLocalDpi xmlns:a14="http://schemas.microsoft.com/office/drawing/2010/main" val="0"/>
-              </a:ext>
-            </a:extLst>
-          </a:blip>
-          <a:srcRect l="1048" t="27706" r="1083" b="27965"/>
-          <a:stretch/>
-        </p:blipFill>
-        <p:spPr>
-          <a:xfrm>
-            <a:off x="219460" y="2296335"/>
-            <a:ext cx="5144218" cy="2000529"/>
-          </a:xfrm>
-          <a:prstGeom prst="rect">
-            <a:avLst/>
-          </a:prstGeom>
-        </p:spPr>
-      </p:pic>
-      <p:pic>
-        <p:nvPicPr>
-          <p:cNvPr id="10" name="Picture 9"/>
-          <p:cNvPicPr>
-            <a:picLocks noChangeAspect="1"/>
-          </p:cNvPicPr>
-          <p:nvPr/>
-        </p:nvPicPr>
-        <p:blipFill rotWithShape="1">
-          <a:blip r:embed="rId3">
-            <a:extLst>
-              <a:ext uri="{28A0092B-C50C-407E-A947-70E740481C1C}">
-                <a14:useLocalDpi xmlns:a14="http://schemas.microsoft.com/office/drawing/2010/main" val="0"/>
-              </a:ext>
-            </a:extLst>
-          </a:blip>
-          <a:srcRect l="839" t="2367" r="448" b="2286"/>
-          <a:stretch/>
-        </p:blipFill>
-        <p:spPr>
-          <a:xfrm>
-            <a:off x="6656324" y="150365"/>
-            <a:ext cx="5148702" cy="1994790"/>
-          </a:xfrm>
-          <a:prstGeom prst="rect">
-            <a:avLst/>
-          </a:prstGeom>
-        </p:spPr>
-      </p:pic>
-      <p:pic>
-        <p:nvPicPr>
-          <p:cNvPr id="19" name="Picture 18"/>
+          <p:cNvPr id="6" name="Picture 5"/>
           <p:cNvPicPr>
             <a:picLocks noChangeAspect="1"/>
           </p:cNvPicPr>
           <p:nvPr/>
         </p:nvPicPr>
         <p:blipFill>
-          <a:blip r:embed="rId4">
+          <a:blip r:embed="rId2" cstate="print">
             <a:extLst>
               <a:ext uri="{28A0092B-C50C-407E-A947-70E740481C1C}">
                 <a14:useLocalDpi xmlns:a14="http://schemas.microsoft.com/office/drawing/2010/main" val="0"/>
@@ -4053,24 +4078,111 @@
         </p:blipFill>
         <p:spPr>
           <a:xfrm>
-            <a:off x="6660808" y="2296336"/>
-            <a:ext cx="5144218" cy="2000529"/>
-          </a:xfrm>
-          <a:prstGeom prst="rect">
-            <a:avLst/>
-          </a:prstGeom>
-        </p:spPr>
-      </p:pic>
-      <p:pic>
-        <p:nvPicPr>
-          <p:cNvPr id="25" name="Picture 24"/>
+            <a:off x="2432810" y="1401955"/>
+            <a:ext cx="516891" cy="571010"/>
+          </a:xfrm>
+          <a:prstGeom prst="rect">
+            <a:avLst/>
+          </a:prstGeom>
+        </p:spPr>
+      </p:pic>
+      <p:pic>
+        <p:nvPicPr>
+          <p:cNvPr id="10" name="Picture 9"/>
+          <p:cNvPicPr>
+            <a:picLocks noChangeAspect="1"/>
+          </p:cNvPicPr>
+          <p:nvPr/>
+        </p:nvPicPr>
+        <p:blipFill rotWithShape="1">
+          <a:blip r:embed="rId3" cstate="print">
+            <a:extLst>
+              <a:ext uri="{28A0092B-C50C-407E-A947-70E740481C1C}">
+                <a14:useLocalDpi xmlns:a14="http://schemas.microsoft.com/office/drawing/2010/main" val="0"/>
+              </a:ext>
+            </a:extLst>
+          </a:blip>
+          <a:srcRect l="10463" t="7446" r="11616" b="1471"/>
+          <a:stretch/>
+        </p:blipFill>
+        <p:spPr>
+          <a:xfrm>
+            <a:off x="93959" y="2273114"/>
+            <a:ext cx="516891" cy="571010"/>
+          </a:xfrm>
+          <a:prstGeom prst="rect">
+            <a:avLst/>
+          </a:prstGeom>
+        </p:spPr>
+      </p:pic>
+      <p:pic>
+        <p:nvPicPr>
+          <p:cNvPr id="11" name="Picture 10"/>
+          <p:cNvPicPr>
+            <a:picLocks noChangeAspect="1"/>
+          </p:cNvPicPr>
+          <p:nvPr/>
+        </p:nvPicPr>
+        <p:blipFill rotWithShape="1">
+          <a:blip r:embed="rId4" cstate="print">
+            <a:extLst>
+              <a:ext uri="{28A0092B-C50C-407E-A947-70E740481C1C}">
+                <a14:useLocalDpi xmlns:a14="http://schemas.microsoft.com/office/drawing/2010/main" val="0"/>
+              </a:ext>
+            </a:extLst>
+          </a:blip>
+          <a:srcRect l="15472" r="13740"/>
+          <a:stretch/>
+        </p:blipFill>
+        <p:spPr>
+          <a:xfrm>
+            <a:off x="675935" y="1401955"/>
+            <a:ext cx="516890" cy="571009"/>
+          </a:xfrm>
+          <a:prstGeom prst="rect">
+            <a:avLst/>
+          </a:prstGeom>
+        </p:spPr>
+      </p:pic>
+      <p:pic>
+        <p:nvPicPr>
+          <p:cNvPr id="19" name="Picture 18"/>
+          <p:cNvPicPr>
+            <a:picLocks noChangeAspect="1"/>
+          </p:cNvPicPr>
+          <p:nvPr/>
+        </p:nvPicPr>
+        <p:blipFill rotWithShape="1">
+          <a:blip r:embed="rId5" cstate="print">
+            <a:extLst>
+              <a:ext uri="{28A0092B-C50C-407E-A947-70E740481C1C}">
+                <a14:useLocalDpi xmlns:a14="http://schemas.microsoft.com/office/drawing/2010/main" val="0"/>
+              </a:ext>
+            </a:extLst>
+          </a:blip>
+          <a:srcRect l="14099" r="14213"/>
+          <a:stretch/>
+        </p:blipFill>
+        <p:spPr>
+          <a:xfrm>
+            <a:off x="93959" y="1401955"/>
+            <a:ext cx="516891" cy="571009"/>
+          </a:xfrm>
+          <a:prstGeom prst="rect">
+            <a:avLst/>
+          </a:prstGeom>
+        </p:spPr>
+      </p:pic>
+      <p:pic>
+        <p:nvPicPr>
+          <p:cNvPr id="21" name="Picture 20"/>
           <p:cNvPicPr>
             <a:picLocks noChangeAspect="1"/>
           </p:cNvPicPr>
           <p:nvPr/>
         </p:nvPicPr>
         <p:blipFill>
-          <a:blip r:embed="rId5" cstate="print">
+          <a:blip r:embed="rId6" cstate="print">
             <a:extLst>
               <a:ext uri="{28A0092B-C50C-407E-A947-70E740481C1C}">
                 <a14:useLocalDpi xmlns:a14="http://schemas.microsoft.com/office/drawing/2010/main" val="0"/>
@@ -4083,24 +4195,82 @@
         </p:blipFill>
         <p:spPr>
           <a:xfrm>
-            <a:off x="219460" y="148081"/>
-            <a:ext cx="5148702" cy="1999358"/>
-          </a:xfrm>
-          <a:prstGeom prst="rect">
-            <a:avLst/>
-          </a:prstGeom>
-        </p:spPr>
-      </p:pic>
-      <p:pic>
-        <p:nvPicPr>
-          <p:cNvPr id="2" name="Picture 1"/>
+            <a:off x="1842114" y="1406707"/>
+            <a:ext cx="516890" cy="571009"/>
+          </a:xfrm>
+          <a:prstGeom prst="rect">
+            <a:avLst/>
+          </a:prstGeom>
+        </p:spPr>
+      </p:pic>
+      <p:pic>
+        <p:nvPicPr>
+          <p:cNvPr id="22" name="Picture 21"/>
+          <p:cNvPicPr>
+            <a:picLocks noChangeAspect="1"/>
+          </p:cNvPicPr>
+          <p:nvPr/>
+        </p:nvPicPr>
+        <p:blipFill rotWithShape="1">
+          <a:blip r:embed="rId7" cstate="print">
+            <a:extLst>
+              <a:ext uri="{28A0092B-C50C-407E-A947-70E740481C1C}">
+                <a14:useLocalDpi xmlns:a14="http://schemas.microsoft.com/office/drawing/2010/main" val="0"/>
+              </a:ext>
+            </a:extLst>
+          </a:blip>
+          <a:srcRect l="15784" t="2311" r="16061" b="3351"/>
+          <a:stretch/>
+        </p:blipFill>
+        <p:spPr>
+          <a:xfrm>
+            <a:off x="1263385" y="1406707"/>
+            <a:ext cx="516890" cy="571009"/>
+          </a:xfrm>
+          <a:prstGeom prst="rect">
+            <a:avLst/>
+          </a:prstGeom>
+        </p:spPr>
+      </p:pic>
+      <p:pic>
+        <p:nvPicPr>
+          <p:cNvPr id="45" name="Picture 44"/>
+          <p:cNvPicPr>
+            <a:picLocks noChangeAspect="1"/>
+          </p:cNvPicPr>
+          <p:nvPr/>
+        </p:nvPicPr>
+        <p:blipFill rotWithShape="1">
+          <a:blip r:embed="rId8" cstate="print">
+            <a:extLst>
+              <a:ext uri="{28A0092B-C50C-407E-A947-70E740481C1C}">
+                <a14:useLocalDpi xmlns:a14="http://schemas.microsoft.com/office/drawing/2010/main" val="0"/>
+              </a:ext>
+            </a:extLst>
+          </a:blip>
+          <a:srcRect l="9632" t="731" r="10173"/>
+          <a:stretch/>
+        </p:blipFill>
+        <p:spPr>
+          <a:xfrm>
+            <a:off x="3548019" y="1406707"/>
+            <a:ext cx="516891" cy="571009"/>
+          </a:xfrm>
+          <a:prstGeom prst="rect">
+            <a:avLst/>
+          </a:prstGeom>
+        </p:spPr>
+      </p:pic>
+      <p:pic>
+        <p:nvPicPr>
+          <p:cNvPr id="46" name="Picture 45"/>
           <p:cNvPicPr>
             <a:picLocks noChangeAspect="1"/>
           </p:cNvPicPr>
           <p:nvPr/>
         </p:nvPicPr>
         <p:blipFill>
-          <a:blip r:embed="rId6" cstate="print">
+          <a:blip r:embed="rId9" cstate="print">
             <a:extLst>
               <a:ext uri="{28A0092B-C50C-407E-A947-70E740481C1C}">
                 <a14:useLocalDpi xmlns:a14="http://schemas.microsoft.com/office/drawing/2010/main" val="0"/>
@@ -4113,82 +4283,53 @@
         </p:blipFill>
         <p:spPr>
           <a:xfrm>
-            <a:off x="10405026" y="4933197"/>
-            <a:ext cx="1400000" cy="1545811"/>
-          </a:xfrm>
-          <a:prstGeom prst="rect">
-            <a:avLst/>
-          </a:prstGeom>
-        </p:spPr>
-      </p:pic>
-      <p:pic>
-        <p:nvPicPr>
-          <p:cNvPr id="3" name="Picture 2"/>
+            <a:off x="4722918" y="1377834"/>
+            <a:ext cx="516891" cy="571010"/>
+          </a:xfrm>
+          <a:prstGeom prst="rect">
+            <a:avLst/>
+          </a:prstGeom>
+        </p:spPr>
+      </p:pic>
+      <p:pic>
+        <p:nvPicPr>
+          <p:cNvPr id="49" name="Picture 48"/>
           <p:cNvPicPr>
             <a:picLocks noChangeAspect="1"/>
           </p:cNvPicPr>
           <p:nvPr/>
         </p:nvPicPr>
         <p:blipFill rotWithShape="1">
-          <a:blip r:embed="rId7">
-            <a:extLst>
-              <a:ext uri="{28A0092B-C50C-407E-A947-70E740481C1C}">
-                <a14:useLocalDpi xmlns:a14="http://schemas.microsoft.com/office/drawing/2010/main" val="0"/>
-              </a:ext>
-            </a:extLst>
-          </a:blip>
-          <a:srcRect b="2053"/>
+          <a:blip r:embed="rId10" cstate="print">
+            <a:extLst>
+              <a:ext uri="{28A0092B-C50C-407E-A947-70E740481C1C}">
+                <a14:useLocalDpi xmlns:a14="http://schemas.microsoft.com/office/drawing/2010/main" val="0"/>
+              </a:ext>
+            </a:extLst>
+          </a:blip>
+          <a:srcRect l="1198" t="2176" r="1198" b="2453"/>
           <a:stretch/>
         </p:blipFill>
         <p:spPr>
           <a:xfrm>
-            <a:off x="219460" y="4933197"/>
-            <a:ext cx="1400000" cy="1545812"/>
-          </a:xfrm>
-          <a:prstGeom prst="rect">
-            <a:avLst/>
-          </a:prstGeom>
-        </p:spPr>
-      </p:pic>
-      <p:pic>
-        <p:nvPicPr>
-          <p:cNvPr id="8" name="Picture 7"/>
-          <p:cNvPicPr>
-            <a:picLocks noChangeAspect="1"/>
-          </p:cNvPicPr>
-          <p:nvPr/>
-        </p:nvPicPr>
-        <p:blipFill rotWithShape="1">
-          <a:blip r:embed="rId8" cstate="print">
-            <a:extLst>
-              <a:ext uri="{28A0092B-C50C-407E-A947-70E740481C1C}">
-                <a14:useLocalDpi xmlns:a14="http://schemas.microsoft.com/office/drawing/2010/main" val="0"/>
-              </a:ext>
-            </a:extLst>
-          </a:blip>
-          <a:srcRect l="10463" t="7446" r="11616" b="1471"/>
-          <a:stretch/>
-        </p:blipFill>
-        <p:spPr>
-          <a:xfrm>
-            <a:off x="3406692" y="4213297"/>
-            <a:ext cx="1400000" cy="1545812"/>
-          </a:xfrm>
-          <a:prstGeom prst="rect">
-            <a:avLst/>
-          </a:prstGeom>
-        </p:spPr>
-      </p:pic>
-      <p:pic>
-        <p:nvPicPr>
-          <p:cNvPr id="4" name="Picture 3"/>
+            <a:off x="5310368" y="1356674"/>
+            <a:ext cx="516891" cy="571010"/>
+          </a:xfrm>
+          <a:prstGeom prst="rect">
+            <a:avLst/>
+          </a:prstGeom>
+        </p:spPr>
+      </p:pic>
+      <p:pic>
+        <p:nvPicPr>
+          <p:cNvPr id="50" name="Picture 49"/>
           <p:cNvPicPr>
             <a:picLocks noChangeAspect="1"/>
           </p:cNvPicPr>
           <p:nvPr/>
         </p:nvPicPr>
         <p:blipFill>
-          <a:blip r:embed="rId9">
+          <a:blip r:embed="rId11" cstate="print">
             <a:extLst>
               <a:ext uri="{28A0092B-C50C-407E-A947-70E740481C1C}">
                 <a14:useLocalDpi xmlns:a14="http://schemas.microsoft.com/office/drawing/2010/main" val="0"/>
@@ -4201,7 +4342,940 @@
         </p:blipFill>
         <p:spPr>
           <a:xfrm>
-            <a:off x="3406692" y="5799672"/>
+            <a:off x="2430416" y="2250594"/>
+            <a:ext cx="516890" cy="571008"/>
+          </a:xfrm>
+          <a:prstGeom prst="rect">
+            <a:avLst/>
+          </a:prstGeom>
+        </p:spPr>
+      </p:pic>
+      <p:pic>
+        <p:nvPicPr>
+          <p:cNvPr id="52" name="Picture 51"/>
+          <p:cNvPicPr>
+            <a:picLocks noChangeAspect="1"/>
+          </p:cNvPicPr>
+          <p:nvPr/>
+        </p:nvPicPr>
+        <p:blipFill rotWithShape="1">
+          <a:blip r:embed="rId12" cstate="print">
+            <a:extLst>
+              <a:ext uri="{28A0092B-C50C-407E-A947-70E740481C1C}">
+                <a14:useLocalDpi xmlns:a14="http://schemas.microsoft.com/office/drawing/2010/main" val="0"/>
+              </a:ext>
+            </a:extLst>
+          </a:blip>
+          <a:srcRect l="6001" t="17394" r="5978" b="18274"/>
+          <a:stretch/>
+        </p:blipFill>
+        <p:spPr>
+          <a:xfrm>
+            <a:off x="3603748" y="2273114"/>
+            <a:ext cx="516890" cy="571008"/>
+          </a:xfrm>
+          <a:prstGeom prst="rect">
+            <a:avLst/>
+          </a:prstGeom>
+        </p:spPr>
+      </p:pic>
+      <p:pic>
+        <p:nvPicPr>
+          <p:cNvPr id="53" name="Picture 52"/>
+          <p:cNvPicPr>
+            <a:picLocks noChangeAspect="1"/>
+          </p:cNvPicPr>
+          <p:nvPr/>
+        </p:nvPicPr>
+        <p:blipFill rotWithShape="1">
+          <a:blip r:embed="rId13" cstate="print">
+            <a:extLst>
+              <a:ext uri="{28A0092B-C50C-407E-A947-70E740481C1C}">
+                <a14:useLocalDpi xmlns:a14="http://schemas.microsoft.com/office/drawing/2010/main" val="0"/>
+              </a:ext>
+            </a:extLst>
+          </a:blip>
+          <a:srcRect l="15747" t="14083" r="16558" b="12377"/>
+          <a:stretch/>
+        </p:blipFill>
+        <p:spPr>
+          <a:xfrm>
+            <a:off x="4190351" y="2250594"/>
+            <a:ext cx="516890" cy="571008"/>
+          </a:xfrm>
+          <a:prstGeom prst="rect">
+            <a:avLst/>
+          </a:prstGeom>
+        </p:spPr>
+      </p:pic>
+      <p:pic>
+        <p:nvPicPr>
+          <p:cNvPr id="40" name="Picture 39"/>
+          <p:cNvPicPr>
+            <a:picLocks noChangeAspect="1"/>
+          </p:cNvPicPr>
+          <p:nvPr/>
+        </p:nvPicPr>
+        <p:blipFill rotWithShape="1">
+          <a:blip r:embed="rId14" cstate="print">
+            <a:extLst>
+              <a:ext uri="{28A0092B-C50C-407E-A947-70E740481C1C}">
+                <a14:useLocalDpi xmlns:a14="http://schemas.microsoft.com/office/drawing/2010/main" val="0"/>
+              </a:ext>
+            </a:extLst>
+          </a:blip>
+          <a:srcRect l="21772" t="872" r="25069"/>
+          <a:stretch/>
+        </p:blipFill>
+        <p:spPr>
+          <a:xfrm>
+            <a:off x="675935" y="2250594"/>
+            <a:ext cx="516890" cy="571008"/>
+          </a:xfrm>
+          <a:prstGeom prst="rect">
+            <a:avLst/>
+          </a:prstGeom>
+        </p:spPr>
+      </p:pic>
+      <p:pic>
+        <p:nvPicPr>
+          <p:cNvPr id="48" name="Picture 47"/>
+          <p:cNvPicPr>
+            <a:picLocks noChangeAspect="1"/>
+          </p:cNvPicPr>
+          <p:nvPr/>
+        </p:nvPicPr>
+        <p:blipFill>
+          <a:blip r:embed="rId15" cstate="print">
+            <a:extLst>
+              <a:ext uri="{28A0092B-C50C-407E-A947-70E740481C1C}">
+                <a14:useLocalDpi xmlns:a14="http://schemas.microsoft.com/office/drawing/2010/main" val="0"/>
+              </a:ext>
+            </a:extLst>
+          </a:blip>
+          <a:stretch>
+            <a:fillRect/>
+          </a:stretch>
+        </p:blipFill>
+        <p:spPr>
+          <a:xfrm>
+            <a:off x="1262188" y="2273114"/>
+            <a:ext cx="516890" cy="567539"/>
+          </a:xfrm>
+          <a:prstGeom prst="rect">
+            <a:avLst/>
+          </a:prstGeom>
+        </p:spPr>
+      </p:pic>
+      <p:pic>
+        <p:nvPicPr>
+          <p:cNvPr id="37" name="Picture 36"/>
+          <p:cNvPicPr>
+            <a:picLocks noChangeAspect="1"/>
+          </p:cNvPicPr>
+          <p:nvPr/>
+        </p:nvPicPr>
+        <p:blipFill>
+          <a:blip r:embed="rId16" cstate="print">
+            <a:extLst>
+              <a:ext uri="{28A0092B-C50C-407E-A947-70E740481C1C}">
+                <a14:useLocalDpi xmlns:a14="http://schemas.microsoft.com/office/drawing/2010/main" val="0"/>
+              </a:ext>
+            </a:extLst>
+          </a:blip>
+          <a:stretch>
+            <a:fillRect/>
+          </a:stretch>
+        </p:blipFill>
+        <p:spPr>
+          <a:xfrm>
+            <a:off x="1842114" y="2228859"/>
+            <a:ext cx="516891" cy="571008"/>
+          </a:xfrm>
+          <a:prstGeom prst="rect">
+            <a:avLst/>
+          </a:prstGeom>
+        </p:spPr>
+      </p:pic>
+      <p:pic>
+        <p:nvPicPr>
+          <p:cNvPr id="38" name="Picture 37"/>
+          <p:cNvPicPr>
+            <a:picLocks noChangeAspect="1"/>
+          </p:cNvPicPr>
+          <p:nvPr/>
+        </p:nvPicPr>
+        <p:blipFill>
+          <a:blip r:embed="rId17" cstate="print">
+            <a:extLst>
+              <a:ext uri="{28A0092B-C50C-407E-A947-70E740481C1C}">
+                <a14:useLocalDpi xmlns:a14="http://schemas.microsoft.com/office/drawing/2010/main" val="0"/>
+              </a:ext>
+            </a:extLst>
+          </a:blip>
+          <a:stretch>
+            <a:fillRect/>
+          </a:stretch>
+        </p:blipFill>
+        <p:spPr>
+          <a:xfrm>
+            <a:off x="3017082" y="2288683"/>
+            <a:ext cx="516890" cy="571008"/>
+          </a:xfrm>
+          <a:prstGeom prst="rect">
+            <a:avLst/>
+          </a:prstGeom>
+        </p:spPr>
+      </p:pic>
+      <p:pic>
+        <p:nvPicPr>
+          <p:cNvPr id="1026" name="Picture 46"/>
+          <p:cNvPicPr>
+            <a:picLocks noChangeAspect="1" noChangeArrowheads="1"/>
+          </p:cNvPicPr>
+          <p:nvPr/>
+        </p:nvPicPr>
+        <p:blipFill>
+          <a:blip r:embed="rId18" cstate="print">
+            <a:extLst>
+              <a:ext uri="{28A0092B-C50C-407E-A947-70E740481C1C}">
+                <a14:useLocalDpi xmlns:a14="http://schemas.microsoft.com/office/drawing/2010/main" val="0"/>
+              </a:ext>
+            </a:extLst>
+          </a:blip>
+          <a:srcRect/>
+          <a:stretch>
+            <a:fillRect/>
+          </a:stretch>
+        </p:blipFill>
+        <p:spPr bwMode="auto">
+          <a:xfrm>
+            <a:off x="106025" y="3144274"/>
+            <a:ext cx="504825" cy="571500"/>
+          </a:xfrm>
+          <a:prstGeom prst="rect">
+            <a:avLst/>
+          </a:prstGeom>
+          <a:noFill/>
+          <a:ln>
+            <a:noFill/>
+          </a:ln>
+          <a:extLst>
+            <a:ext uri="{909E8E84-426E-40DD-AFC4-6F175D3DCCD1}">
+              <a14:hiddenFill xmlns:a14="http://schemas.microsoft.com/office/drawing/2010/main">
+                <a:solidFill>
+                  <a:srgbClr val="FFFFFF"/>
+                </a:solidFill>
+              </a14:hiddenFill>
+            </a:ext>
+            <a:ext uri="{91240B29-F687-4F45-9708-019B960494DF}">
+              <a14:hiddenLine xmlns:a14="http://schemas.microsoft.com/office/drawing/2010/main" w="9525">
+                <a:solidFill>
+                  <a:srgbClr val="000000"/>
+                </a:solidFill>
+                <a:miter lim="800000"/>
+                <a:headEnd/>
+                <a:tailEnd/>
+              </a14:hiddenLine>
+            </a:ext>
+          </a:extLst>
+        </p:spPr>
+      </p:pic>
+      <p:pic>
+        <p:nvPicPr>
+          <p:cNvPr id="1027" name="Picture 50"/>
+          <p:cNvPicPr>
+            <a:picLocks noChangeAspect="1" noChangeArrowheads="1"/>
+          </p:cNvPicPr>
+          <p:nvPr/>
+        </p:nvPicPr>
+        <p:blipFill>
+          <a:blip r:embed="rId19" cstate="print">
+            <a:extLst>
+              <a:ext uri="{28A0092B-C50C-407E-A947-70E740481C1C}">
+                <a14:useLocalDpi xmlns:a14="http://schemas.microsoft.com/office/drawing/2010/main" val="0"/>
+              </a:ext>
+            </a:extLst>
+          </a:blip>
+          <a:srcRect l="6337" r="6258"/>
+          <a:stretch>
+            <a:fillRect/>
+          </a:stretch>
+        </p:blipFill>
+        <p:spPr bwMode="auto">
+          <a:xfrm>
+            <a:off x="675935" y="3144274"/>
+            <a:ext cx="514350" cy="571500"/>
+          </a:xfrm>
+          <a:prstGeom prst="rect">
+            <a:avLst/>
+          </a:prstGeom>
+          <a:noFill/>
+          <a:ln>
+            <a:noFill/>
+          </a:ln>
+          <a:extLst>
+            <a:ext uri="{909E8E84-426E-40DD-AFC4-6F175D3DCCD1}">
+              <a14:hiddenFill xmlns:a14="http://schemas.microsoft.com/office/drawing/2010/main">
+                <a:solidFill>
+                  <a:srgbClr val="FFFFFF"/>
+                </a:solidFill>
+              </a14:hiddenFill>
+            </a:ext>
+            <a:ext uri="{91240B29-F687-4F45-9708-019B960494DF}">
+              <a14:hiddenLine xmlns:a14="http://schemas.microsoft.com/office/drawing/2010/main" w="9525">
+                <a:solidFill>
+                  <a:srgbClr val="000000"/>
+                </a:solidFill>
+                <a:miter lim="800000"/>
+                <a:headEnd/>
+                <a:tailEnd/>
+              </a14:hiddenLine>
+            </a:ext>
+          </a:extLst>
+        </p:spPr>
+      </p:pic>
+      <p:pic>
+        <p:nvPicPr>
+          <p:cNvPr id="1028" name="Picture 60"/>
+          <p:cNvPicPr>
+            <a:picLocks noChangeAspect="1" noChangeArrowheads="1"/>
+          </p:cNvPicPr>
+          <p:nvPr/>
+        </p:nvPicPr>
+        <p:blipFill>
+          <a:blip r:embed="rId20" cstate="print">
+            <a:extLst>
+              <a:ext uri="{28A0092B-C50C-407E-A947-70E740481C1C}">
+                <a14:useLocalDpi xmlns:a14="http://schemas.microsoft.com/office/drawing/2010/main" val="0"/>
+              </a:ext>
+            </a:extLst>
+          </a:blip>
+          <a:srcRect l="16821" t="5888" r="16940" b="5627"/>
+          <a:stretch>
+            <a:fillRect/>
+          </a:stretch>
+        </p:blipFill>
+        <p:spPr bwMode="auto">
+          <a:xfrm>
+            <a:off x="1839887" y="4015924"/>
+            <a:ext cx="542925" cy="571500"/>
+          </a:xfrm>
+          <a:prstGeom prst="rect">
+            <a:avLst/>
+          </a:prstGeom>
+          <a:noFill/>
+          <a:ln>
+            <a:noFill/>
+          </a:ln>
+          <a:extLst>
+            <a:ext uri="{909E8E84-426E-40DD-AFC4-6F175D3DCCD1}">
+              <a14:hiddenFill xmlns:a14="http://schemas.microsoft.com/office/drawing/2010/main">
+                <a:solidFill>
+                  <a:srgbClr val="FFFFFF"/>
+                </a:solidFill>
+              </a14:hiddenFill>
+            </a:ext>
+            <a:ext uri="{91240B29-F687-4F45-9708-019B960494DF}">
+              <a14:hiddenLine xmlns:a14="http://schemas.microsoft.com/office/drawing/2010/main" w="9525">
+                <a:solidFill>
+                  <a:srgbClr val="000000"/>
+                </a:solidFill>
+                <a:miter lim="800000"/>
+                <a:headEnd/>
+                <a:tailEnd/>
+              </a14:hiddenLine>
+            </a:ext>
+          </a:extLst>
+        </p:spPr>
+      </p:pic>
+      <p:pic>
+        <p:nvPicPr>
+          <p:cNvPr id="1029" name="Picture 58"/>
+          <p:cNvPicPr>
+            <a:picLocks noChangeAspect="1" noChangeArrowheads="1"/>
+          </p:cNvPicPr>
+          <p:nvPr/>
+        </p:nvPicPr>
+        <p:blipFill>
+          <a:blip r:embed="rId21" cstate="print">
+            <a:extLst>
+              <a:ext uri="{28A0092B-C50C-407E-A947-70E740481C1C}">
+                <a14:useLocalDpi xmlns:a14="http://schemas.microsoft.com/office/drawing/2010/main" val="0"/>
+              </a:ext>
+            </a:extLst>
+          </a:blip>
+          <a:srcRect/>
+          <a:stretch>
+            <a:fillRect/>
+          </a:stretch>
+        </p:blipFill>
+        <p:spPr bwMode="auto">
+          <a:xfrm>
+            <a:off x="675935" y="4015924"/>
+            <a:ext cx="514350" cy="571500"/>
+          </a:xfrm>
+          <a:prstGeom prst="rect">
+            <a:avLst/>
+          </a:prstGeom>
+          <a:noFill/>
+          <a:ln>
+            <a:noFill/>
+          </a:ln>
+          <a:extLst>
+            <a:ext uri="{909E8E84-426E-40DD-AFC4-6F175D3DCCD1}">
+              <a14:hiddenFill xmlns:a14="http://schemas.microsoft.com/office/drawing/2010/main">
+                <a:solidFill>
+                  <a:srgbClr val="FFFFFF"/>
+                </a:solidFill>
+              </a14:hiddenFill>
+            </a:ext>
+            <a:ext uri="{91240B29-F687-4F45-9708-019B960494DF}">
+              <a14:hiddenLine xmlns:a14="http://schemas.microsoft.com/office/drawing/2010/main" w="9525">
+                <a:solidFill>
+                  <a:srgbClr val="000000"/>
+                </a:solidFill>
+                <a:miter lim="800000"/>
+                <a:headEnd/>
+                <a:tailEnd/>
+              </a14:hiddenLine>
+            </a:ext>
+          </a:extLst>
+        </p:spPr>
+      </p:pic>
+      <p:pic>
+        <p:nvPicPr>
+          <p:cNvPr id="1030" name="Picture 59"/>
+          <p:cNvPicPr>
+            <a:picLocks noChangeAspect="1" noChangeArrowheads="1"/>
+          </p:cNvPicPr>
+          <p:nvPr/>
+        </p:nvPicPr>
+        <p:blipFill>
+          <a:blip r:embed="rId22" cstate="print">
+            <a:extLst>
+              <a:ext uri="{28A0092B-C50C-407E-A947-70E740481C1C}">
+                <a14:useLocalDpi xmlns:a14="http://schemas.microsoft.com/office/drawing/2010/main" val="0"/>
+              </a:ext>
+            </a:extLst>
+          </a:blip>
+          <a:srcRect/>
+          <a:stretch>
+            <a:fillRect/>
+          </a:stretch>
+        </p:blipFill>
+        <p:spPr bwMode="auto">
+          <a:xfrm>
+            <a:off x="1257911" y="4015924"/>
+            <a:ext cx="514350" cy="571500"/>
+          </a:xfrm>
+          <a:prstGeom prst="rect">
+            <a:avLst/>
+          </a:prstGeom>
+          <a:noFill/>
+          <a:ln>
+            <a:noFill/>
+          </a:ln>
+          <a:extLst>
+            <a:ext uri="{909E8E84-426E-40DD-AFC4-6F175D3DCCD1}">
+              <a14:hiddenFill xmlns:a14="http://schemas.microsoft.com/office/drawing/2010/main">
+                <a:solidFill>
+                  <a:srgbClr val="FFFFFF"/>
+                </a:solidFill>
+              </a14:hiddenFill>
+            </a:ext>
+            <a:ext uri="{91240B29-F687-4F45-9708-019B960494DF}">
+              <a14:hiddenLine xmlns:a14="http://schemas.microsoft.com/office/drawing/2010/main" w="9525">
+                <a:solidFill>
+                  <a:srgbClr val="000000"/>
+                </a:solidFill>
+                <a:miter lim="800000"/>
+                <a:headEnd/>
+                <a:tailEnd/>
+              </a14:hiddenLine>
+            </a:ext>
+          </a:extLst>
+        </p:spPr>
+      </p:pic>
+      <p:pic>
+        <p:nvPicPr>
+          <p:cNvPr id="1031" name="Picture 61"/>
+          <p:cNvPicPr>
+            <a:picLocks noChangeAspect="1" noChangeArrowheads="1"/>
+          </p:cNvPicPr>
+          <p:nvPr/>
+        </p:nvPicPr>
+        <p:blipFill>
+          <a:blip r:embed="rId23" cstate="print">
+            <a:extLst>
+              <a:ext uri="{28A0092B-C50C-407E-A947-70E740481C1C}">
+                <a14:useLocalDpi xmlns:a14="http://schemas.microsoft.com/office/drawing/2010/main" val="0"/>
+              </a:ext>
+            </a:extLst>
+          </a:blip>
+          <a:srcRect/>
+          <a:stretch>
+            <a:fillRect/>
+          </a:stretch>
+        </p:blipFill>
+        <p:spPr bwMode="auto">
+          <a:xfrm>
+            <a:off x="93959" y="4015924"/>
+            <a:ext cx="514350" cy="571500"/>
+          </a:xfrm>
+          <a:prstGeom prst="rect">
+            <a:avLst/>
+          </a:prstGeom>
+          <a:noFill/>
+          <a:ln>
+            <a:noFill/>
+          </a:ln>
+          <a:extLst>
+            <a:ext uri="{909E8E84-426E-40DD-AFC4-6F175D3DCCD1}">
+              <a14:hiddenFill xmlns:a14="http://schemas.microsoft.com/office/drawing/2010/main">
+                <a:solidFill>
+                  <a:srgbClr val="FFFFFF"/>
+                </a:solidFill>
+              </a14:hiddenFill>
+            </a:ext>
+            <a:ext uri="{91240B29-F687-4F45-9708-019B960494DF}">
+              <a14:hiddenLine xmlns:a14="http://schemas.microsoft.com/office/drawing/2010/main" w="9525">
+                <a:solidFill>
+                  <a:srgbClr val="000000"/>
+                </a:solidFill>
+                <a:miter lim="800000"/>
+                <a:headEnd/>
+                <a:tailEnd/>
+              </a14:hiddenLine>
+            </a:ext>
+          </a:extLst>
+        </p:spPr>
+      </p:pic>
+      <p:pic>
+        <p:nvPicPr>
+          <p:cNvPr id="1032" name="Picture 62"/>
+          <p:cNvPicPr>
+            <a:picLocks noChangeAspect="1" noChangeArrowheads="1"/>
+          </p:cNvPicPr>
+          <p:nvPr/>
+        </p:nvPicPr>
+        <p:blipFill>
+          <a:blip r:embed="rId24" cstate="print">
+            <a:extLst>
+              <a:ext uri="{28A0092B-C50C-407E-A947-70E740481C1C}">
+                <a14:useLocalDpi xmlns:a14="http://schemas.microsoft.com/office/drawing/2010/main" val="0"/>
+              </a:ext>
+            </a:extLst>
+          </a:blip>
+          <a:srcRect l="4196" r="4112"/>
+          <a:stretch>
+            <a:fillRect/>
+          </a:stretch>
+        </p:blipFill>
+        <p:spPr bwMode="auto">
+          <a:xfrm>
+            <a:off x="2434982" y="3144274"/>
+            <a:ext cx="514350" cy="571500"/>
+          </a:xfrm>
+          <a:prstGeom prst="rect">
+            <a:avLst/>
+          </a:prstGeom>
+          <a:noFill/>
+          <a:ln>
+            <a:noFill/>
+          </a:ln>
+          <a:extLst>
+            <a:ext uri="{909E8E84-426E-40DD-AFC4-6F175D3DCCD1}">
+              <a14:hiddenFill xmlns:a14="http://schemas.microsoft.com/office/drawing/2010/main">
+                <a:solidFill>
+                  <a:srgbClr val="FFFFFF"/>
+                </a:solidFill>
+              </a14:hiddenFill>
+            </a:ext>
+            <a:ext uri="{91240B29-F687-4F45-9708-019B960494DF}">
+              <a14:hiddenLine xmlns:a14="http://schemas.microsoft.com/office/drawing/2010/main" w="9525">
+                <a:solidFill>
+                  <a:srgbClr val="000000"/>
+                </a:solidFill>
+                <a:miter lim="800000"/>
+                <a:headEnd/>
+                <a:tailEnd/>
+              </a14:hiddenLine>
+            </a:ext>
+          </a:extLst>
+        </p:spPr>
+      </p:pic>
+      <p:pic>
+        <p:nvPicPr>
+          <p:cNvPr id="1033" name="Picture 1"/>
+          <p:cNvPicPr>
+            <a:picLocks noChangeAspect="1" noChangeArrowheads="1"/>
+          </p:cNvPicPr>
+          <p:nvPr/>
+        </p:nvPicPr>
+        <p:blipFill>
+          <a:blip r:embed="rId25" cstate="print">
+            <a:extLst>
+              <a:ext uri="{28A0092B-C50C-407E-A947-70E740481C1C}">
+                <a14:useLocalDpi xmlns:a14="http://schemas.microsoft.com/office/drawing/2010/main" val="0"/>
+              </a:ext>
+            </a:extLst>
+          </a:blip>
+          <a:srcRect l="24286" t="7442" r="24278" b="7997"/>
+          <a:stretch>
+            <a:fillRect/>
+          </a:stretch>
+        </p:blipFill>
+        <p:spPr bwMode="auto">
+          <a:xfrm>
+            <a:off x="3020260" y="1399569"/>
+            <a:ext cx="457200" cy="549275"/>
+          </a:xfrm>
+          <a:prstGeom prst="rect">
+            <a:avLst/>
+          </a:prstGeom>
+          <a:noFill/>
+          <a:ln>
+            <a:noFill/>
+          </a:ln>
+          <a:extLst>
+            <a:ext uri="{909E8E84-426E-40DD-AFC4-6F175D3DCCD1}">
+              <a14:hiddenFill xmlns:a14="http://schemas.microsoft.com/office/drawing/2010/main">
+                <a:solidFill>
+                  <a:srgbClr val="FFFFFF"/>
+                </a:solidFill>
+              </a14:hiddenFill>
+            </a:ext>
+            <a:ext uri="{91240B29-F687-4F45-9708-019B960494DF}">
+              <a14:hiddenLine xmlns:a14="http://schemas.microsoft.com/office/drawing/2010/main" w="9525">
+                <a:solidFill>
+                  <a:srgbClr val="000000"/>
+                </a:solidFill>
+                <a:miter lim="800000"/>
+                <a:headEnd/>
+                <a:tailEnd/>
+              </a14:hiddenLine>
+            </a:ext>
+          </a:extLst>
+        </p:spPr>
+      </p:pic>
+      <p:pic>
+        <p:nvPicPr>
+          <p:cNvPr id="47" name="Picture 46"/>
+          <p:cNvPicPr>
+            <a:picLocks noChangeAspect="1"/>
+          </p:cNvPicPr>
+          <p:nvPr/>
+        </p:nvPicPr>
+        <p:blipFill>
+          <a:blip r:embed="rId26" cstate="print">
+            <a:extLst>
+              <a:ext uri="{28A0092B-C50C-407E-A947-70E740481C1C}">
+                <a14:useLocalDpi xmlns:a14="http://schemas.microsoft.com/office/drawing/2010/main" val="0"/>
+              </a:ext>
+            </a:extLst>
+          </a:blip>
+          <a:stretch>
+            <a:fillRect/>
+          </a:stretch>
+        </p:blipFill>
+        <p:spPr>
+          <a:xfrm>
+            <a:off x="1831793" y="3144274"/>
+            <a:ext cx="518276" cy="571500"/>
+          </a:xfrm>
+          <a:prstGeom prst="rect">
+            <a:avLst/>
+          </a:prstGeom>
+        </p:spPr>
+      </p:pic>
+      <p:pic>
+        <p:nvPicPr>
+          <p:cNvPr id="64" name="Picture 63"/>
+          <p:cNvPicPr>
+            <a:picLocks noChangeAspect="1"/>
+          </p:cNvPicPr>
+          <p:nvPr/>
+        </p:nvPicPr>
+        <p:blipFill rotWithShape="1">
+          <a:blip r:embed="rId27" cstate="print">
+            <a:extLst>
+              <a:ext uri="{28A0092B-C50C-407E-A947-70E740481C1C}">
+                <a14:useLocalDpi xmlns:a14="http://schemas.microsoft.com/office/drawing/2010/main" val="0"/>
+              </a:ext>
+            </a:extLst>
+          </a:blip>
+          <a:srcRect l="5625" r="5781"/>
+          <a:stretch/>
+        </p:blipFill>
+        <p:spPr>
+          <a:xfrm>
+            <a:off x="3634601" y="3122584"/>
+            <a:ext cx="515443" cy="571500"/>
+          </a:xfrm>
+          <a:prstGeom prst="rect">
+            <a:avLst/>
+          </a:prstGeom>
+        </p:spPr>
+      </p:pic>
+      <p:pic>
+        <p:nvPicPr>
+          <p:cNvPr id="7" name="Picture 6"/>
+          <p:cNvPicPr>
+            <a:picLocks noChangeAspect="1"/>
+          </p:cNvPicPr>
+          <p:nvPr/>
+        </p:nvPicPr>
+        <p:blipFill rotWithShape="1">
+          <a:blip r:embed="rId28" cstate="print">
+            <a:extLst>
+              <a:ext uri="{28A0092B-C50C-407E-A947-70E740481C1C}">
+                <a14:useLocalDpi xmlns:a14="http://schemas.microsoft.com/office/drawing/2010/main" val="0"/>
+              </a:ext>
+            </a:extLst>
+          </a:blip>
+          <a:srcRect l="969" t="3692" r="1036" b="5716"/>
+          <a:stretch/>
+        </p:blipFill>
+        <p:spPr>
+          <a:xfrm>
+            <a:off x="4127520" y="1406707"/>
+            <a:ext cx="516891" cy="566257"/>
+          </a:xfrm>
+          <a:prstGeom prst="rect">
+            <a:avLst/>
+          </a:prstGeom>
+        </p:spPr>
+      </p:pic>
+      <p:pic>
+        <p:nvPicPr>
+          <p:cNvPr id="9" name="Picture 8"/>
+          <p:cNvPicPr>
+            <a:picLocks noChangeAspect="1"/>
+          </p:cNvPicPr>
+          <p:nvPr/>
+        </p:nvPicPr>
+        <p:blipFill rotWithShape="1">
+          <a:blip r:embed="rId29" cstate="print">
+            <a:extLst>
+              <a:ext uri="{28A0092B-C50C-407E-A947-70E740481C1C}">
+                <a14:useLocalDpi xmlns:a14="http://schemas.microsoft.com/office/drawing/2010/main" val="0"/>
+              </a:ext>
+            </a:extLst>
+          </a:blip>
+          <a:srcRect l="6996" r="6810"/>
+          <a:stretch/>
+        </p:blipFill>
+        <p:spPr>
+          <a:xfrm>
+            <a:off x="3034245" y="3144274"/>
+            <a:ext cx="515443" cy="571500"/>
+          </a:xfrm>
+          <a:prstGeom prst="rect">
+            <a:avLst/>
+          </a:prstGeom>
+        </p:spPr>
+      </p:pic>
+    </p:spTree>
+    <p:extLst>
+      <p:ext uri="{BB962C8B-B14F-4D97-AF65-F5344CB8AC3E}">
+        <p14:creationId xmlns:p14="http://schemas.microsoft.com/office/powerpoint/2010/main" val="821335060"/>
+      </p:ext>
+    </p:extLst>
+  </p:cSld>
+  <p:clrMapOvr>
+    <a:masterClrMapping/>
+  </p:clrMapOvr>
+</p:sld>
+</file>
+
+<file path=ppt/slides/slide3.xml><?xml version="1.0" encoding="utf-8"?>
+<p:sld xmlns:a="http://schemas.openxmlformats.org/drawingml/2006/main" xmlns:r="http://schemas.openxmlformats.org/officeDocument/2006/relationships" xmlns:p="http://schemas.openxmlformats.org/presentationml/2006/main">
+  <p:cSld>
+    <p:spTree>
+      <p:nvGrpSpPr>
+        <p:cNvPr id="1" name=""/>
+        <p:cNvGrpSpPr/>
+        <p:nvPr/>
+      </p:nvGrpSpPr>
+      <p:grpSpPr>
+        <a:xfrm>
+          <a:off x="0" y="0"/>
+          <a:ext cx="0" cy="0"/>
+          <a:chOff x="0" y="0"/>
+          <a:chExt cx="0" cy="0"/>
+        </a:xfrm>
+      </p:grpSpPr>
+      <p:pic>
+        <p:nvPicPr>
+          <p:cNvPr id="9" name="Picture 8"/>
+          <p:cNvPicPr>
+            <a:picLocks noChangeAspect="1"/>
+          </p:cNvPicPr>
+          <p:nvPr/>
+        </p:nvPicPr>
+        <p:blipFill rotWithShape="1">
+          <a:blip r:embed="rId2">
+            <a:extLst>
+              <a:ext uri="{28A0092B-C50C-407E-A947-70E740481C1C}">
+                <a14:useLocalDpi xmlns:a14="http://schemas.microsoft.com/office/drawing/2010/main" val="0"/>
+              </a:ext>
+            </a:extLst>
+          </a:blip>
+          <a:srcRect l="1048" t="27706" r="1083" b="27965"/>
+          <a:stretch/>
+        </p:blipFill>
+        <p:spPr>
+          <a:xfrm>
+            <a:off x="219460" y="2296335"/>
+            <a:ext cx="5144218" cy="2000529"/>
+          </a:xfrm>
+          <a:prstGeom prst="rect">
+            <a:avLst/>
+          </a:prstGeom>
+        </p:spPr>
+      </p:pic>
+      <p:pic>
+        <p:nvPicPr>
+          <p:cNvPr id="10" name="Picture 9"/>
+          <p:cNvPicPr>
+            <a:picLocks noChangeAspect="1"/>
+          </p:cNvPicPr>
+          <p:nvPr/>
+        </p:nvPicPr>
+        <p:blipFill rotWithShape="1">
+          <a:blip r:embed="rId3">
+            <a:extLst>
+              <a:ext uri="{28A0092B-C50C-407E-A947-70E740481C1C}">
+                <a14:useLocalDpi xmlns:a14="http://schemas.microsoft.com/office/drawing/2010/main" val="0"/>
+              </a:ext>
+            </a:extLst>
+          </a:blip>
+          <a:srcRect l="839" t="2367" r="448" b="2286"/>
+          <a:stretch/>
+        </p:blipFill>
+        <p:spPr>
+          <a:xfrm>
+            <a:off x="6656324" y="150365"/>
+            <a:ext cx="5148702" cy="1994790"/>
+          </a:xfrm>
+          <a:prstGeom prst="rect">
+            <a:avLst/>
+          </a:prstGeom>
+        </p:spPr>
+      </p:pic>
+      <p:pic>
+        <p:nvPicPr>
+          <p:cNvPr id="19" name="Picture 18"/>
+          <p:cNvPicPr>
+            <a:picLocks noChangeAspect="1"/>
+          </p:cNvPicPr>
+          <p:nvPr/>
+        </p:nvPicPr>
+        <p:blipFill>
+          <a:blip r:embed="rId4">
+            <a:extLst>
+              <a:ext uri="{28A0092B-C50C-407E-A947-70E740481C1C}">
+                <a14:useLocalDpi xmlns:a14="http://schemas.microsoft.com/office/drawing/2010/main" val="0"/>
+              </a:ext>
+            </a:extLst>
+          </a:blip>
+          <a:stretch>
+            <a:fillRect/>
+          </a:stretch>
+        </p:blipFill>
+        <p:spPr>
+          <a:xfrm>
+            <a:off x="6660808" y="2296336"/>
+            <a:ext cx="5144218" cy="2000529"/>
+          </a:xfrm>
+          <a:prstGeom prst="rect">
+            <a:avLst/>
+          </a:prstGeom>
+        </p:spPr>
+      </p:pic>
+      <p:pic>
+        <p:nvPicPr>
+          <p:cNvPr id="25" name="Picture 24"/>
+          <p:cNvPicPr>
+            <a:picLocks noChangeAspect="1"/>
+          </p:cNvPicPr>
+          <p:nvPr/>
+        </p:nvPicPr>
+        <p:blipFill>
+          <a:blip r:embed="rId5" cstate="print">
+            <a:extLst>
+              <a:ext uri="{28A0092B-C50C-407E-A947-70E740481C1C}">
+                <a14:useLocalDpi xmlns:a14="http://schemas.microsoft.com/office/drawing/2010/main" val="0"/>
+              </a:ext>
+            </a:extLst>
+          </a:blip>
+          <a:stretch>
+            <a:fillRect/>
+          </a:stretch>
+        </p:blipFill>
+        <p:spPr>
+          <a:xfrm>
+            <a:off x="219460" y="148081"/>
+            <a:ext cx="5148702" cy="1999358"/>
+          </a:xfrm>
+          <a:prstGeom prst="rect">
+            <a:avLst/>
+          </a:prstGeom>
+        </p:spPr>
+      </p:pic>
+      <p:pic>
+        <p:nvPicPr>
+          <p:cNvPr id="2" name="Picture 1"/>
+          <p:cNvPicPr>
+            <a:picLocks noChangeAspect="1"/>
+          </p:cNvPicPr>
+          <p:nvPr/>
+        </p:nvPicPr>
+        <p:blipFill>
+          <a:blip r:embed="rId6" cstate="print">
+            <a:extLst>
+              <a:ext uri="{28A0092B-C50C-407E-A947-70E740481C1C}">
+                <a14:useLocalDpi xmlns:a14="http://schemas.microsoft.com/office/drawing/2010/main" val="0"/>
+              </a:ext>
+            </a:extLst>
+          </a:blip>
+          <a:stretch>
+            <a:fillRect/>
+          </a:stretch>
+        </p:blipFill>
+        <p:spPr>
+          <a:xfrm>
+            <a:off x="10405026" y="4933197"/>
+            <a:ext cx="1400000" cy="1545811"/>
+          </a:xfrm>
+          <a:prstGeom prst="rect">
+            <a:avLst/>
+          </a:prstGeom>
+        </p:spPr>
+      </p:pic>
+      <p:pic>
+        <p:nvPicPr>
+          <p:cNvPr id="3" name="Picture 2"/>
+          <p:cNvPicPr>
+            <a:picLocks noChangeAspect="1"/>
+          </p:cNvPicPr>
+          <p:nvPr/>
+        </p:nvPicPr>
+        <p:blipFill rotWithShape="1">
+          <a:blip r:embed="rId7">
+            <a:extLst>
+              <a:ext uri="{28A0092B-C50C-407E-A947-70E740481C1C}">
+                <a14:useLocalDpi xmlns:a14="http://schemas.microsoft.com/office/drawing/2010/main" val="0"/>
+              </a:ext>
+            </a:extLst>
+          </a:blip>
+          <a:srcRect b="2053"/>
+          <a:stretch/>
+        </p:blipFill>
+        <p:spPr>
+          <a:xfrm>
+            <a:off x="219460" y="4933197"/>
             <a:ext cx="1400000" cy="1545812"/>
           </a:xfrm>
           <a:prstGeom prst="rect">
@@ -4222,7 +5296,7 @@
 </p:sld>
 </file>
 
-<file path=ppt/slides/slide3.xml><?xml version="1.0" encoding="utf-8"?>
+<file path=ppt/slides/slide4.xml><?xml version="1.0" encoding="utf-8"?>
 <p:sld xmlns:a="http://schemas.openxmlformats.org/drawingml/2006/main" xmlns:r="http://schemas.openxmlformats.org/officeDocument/2006/relationships" xmlns:p="http://schemas.openxmlformats.org/presentationml/2006/main">
   <p:cSld>
     <p:spTree>
